--- a/Documentation/Class Presentations/Requirements Presentation.pptx
+++ b/Documentation/Class Presentations/Requirements Presentation.pptx
@@ -109,6 +109,11 @@
       </a:defRPr>
     </a:lvl9pPr>
   </p:defaultTextStyle>
+  <p:extLst>
+    <p:ext uri="{EFAFB233-063F-42B5-8137-9DF3F51BA10A}">
+      <p15:sldGuideLst xmlns:p15="http://schemas.microsoft.com/office/powerpoint/2012/main"/>
+    </p:ext>
+  </p:extLst>
 </p:presentation>
 </file>
 
@@ -295,7 +300,7 @@
           <a:p>
             <a:fld id="{4AAD347D-5ACD-4C99-B74B-A9C85AD731AF}" type="datetimeFigureOut">
               <a:rPr lang="en-US" dirty="0"/>
-              <a:t>9/7/2014</a:t>
+              <a:t>9/8/2014</a:t>
             </a:fld>
             <a:endParaRPr lang="en-US" dirty="0"/>
           </a:p>
@@ -565,7 +570,7 @@
           <a:p>
             <a:fld id="{4509A250-FF31-4206-8172-F9D3106AACB1}" type="datetimeFigureOut">
               <a:rPr lang="en-US" dirty="0"/>
-              <a:t>9/7/2014</a:t>
+              <a:t>9/8/2014</a:t>
             </a:fld>
             <a:endParaRPr lang="en-US" dirty="0"/>
           </a:p>
@@ -754,7 +759,7 @@
           <a:p>
             <a:fld id="{4509A250-FF31-4206-8172-F9D3106AACB1}" type="datetimeFigureOut">
               <a:rPr lang="en-US" dirty="0"/>
-              <a:t>9/7/2014</a:t>
+              <a:t>9/8/2014</a:t>
             </a:fld>
             <a:endParaRPr lang="en-US" dirty="0"/>
           </a:p>
@@ -1017,7 +1022,7 @@
           <a:p>
             <a:fld id="{4509A250-FF31-4206-8172-F9D3106AACB1}" type="datetimeFigureOut">
               <a:rPr lang="en-US" dirty="0"/>
-              <a:t>9/7/2014</a:t>
+              <a:t>9/8/2014</a:t>
             </a:fld>
             <a:endParaRPr lang="en-US" dirty="0"/>
           </a:p>
@@ -1344,7 +1349,7 @@
           <a:p>
             <a:fld id="{4509A250-FF31-4206-8172-F9D3106AACB1}" type="datetimeFigureOut">
               <a:rPr lang="en-US" dirty="0"/>
-              <a:t>9/7/2014</a:t>
+              <a:t>9/8/2014</a:t>
             </a:fld>
             <a:endParaRPr lang="en-US" dirty="0"/>
           </a:p>
@@ -1949,7 +1954,7 @@
           <a:p>
             <a:fld id="{4509A250-FF31-4206-8172-F9D3106AACB1}" type="datetimeFigureOut">
               <a:rPr lang="en-US" dirty="0"/>
-              <a:t>9/7/2014</a:t>
+              <a:t>9/8/2014</a:t>
             </a:fld>
             <a:endParaRPr lang="en-US" dirty="0"/>
           </a:p>
@@ -2791,7 +2796,7 @@
           <a:p>
             <a:fld id="{4509A250-FF31-4206-8172-F9D3106AACB1}" type="datetimeFigureOut">
               <a:rPr lang="en-US" dirty="0"/>
-              <a:t>9/7/2014</a:t>
+              <a:t>9/8/2014</a:t>
             </a:fld>
             <a:endParaRPr lang="en-US" dirty="0"/>
           </a:p>
@@ -2956,7 +2961,7 @@
           <a:p>
             <a:fld id="{4509A250-FF31-4206-8172-F9D3106AACB1}" type="datetimeFigureOut">
               <a:rPr lang="en-US" dirty="0"/>
-              <a:t>9/7/2014</a:t>
+              <a:t>9/8/2014</a:t>
             </a:fld>
             <a:endParaRPr lang="en-US" dirty="0"/>
           </a:p>
@@ -3131,7 +3136,7 @@
           <a:p>
             <a:fld id="{4509A250-FF31-4206-8172-F9D3106AACB1}" type="datetimeFigureOut">
               <a:rPr lang="en-US" dirty="0"/>
-              <a:t>9/7/2014</a:t>
+              <a:t>9/8/2014</a:t>
             </a:fld>
             <a:endParaRPr lang="en-US" dirty="0"/>
           </a:p>
@@ -3296,7 +3301,7 @@
           <a:p>
             <a:fld id="{4509A250-FF31-4206-8172-F9D3106AACB1}" type="datetimeFigureOut">
               <a:rPr lang="en-US" dirty="0"/>
-              <a:t>9/7/2014</a:t>
+              <a:t>9/8/2014</a:t>
             </a:fld>
             <a:endParaRPr lang="en-US" dirty="0"/>
           </a:p>
@@ -3535,7 +3540,7 @@
           <a:p>
             <a:fld id="{4509A250-FF31-4206-8172-F9D3106AACB1}" type="datetimeFigureOut">
               <a:rPr lang="en-US" dirty="0"/>
-              <a:t>9/7/2014</a:t>
+              <a:t>9/8/2014</a:t>
             </a:fld>
             <a:endParaRPr lang="en-US" dirty="0"/>
           </a:p>
@@ -3822,7 +3827,7 @@
           <a:p>
             <a:fld id="{4509A250-FF31-4206-8172-F9D3106AACB1}" type="datetimeFigureOut">
               <a:rPr lang="en-US" dirty="0"/>
-              <a:t>9/7/2014</a:t>
+              <a:t>9/8/2014</a:t>
             </a:fld>
             <a:endParaRPr lang="en-US" dirty="0"/>
           </a:p>
@@ -4255,7 +4260,7 @@
           <a:p>
             <a:fld id="{4509A250-FF31-4206-8172-F9D3106AACB1}" type="datetimeFigureOut">
               <a:rPr lang="en-US" dirty="0"/>
-              <a:t>9/7/2014</a:t>
+              <a:t>9/8/2014</a:t>
             </a:fld>
             <a:endParaRPr lang="en-US" dirty="0"/>
           </a:p>
@@ -4368,7 +4373,7 @@
           <a:p>
             <a:fld id="{4509A250-FF31-4206-8172-F9D3106AACB1}" type="datetimeFigureOut">
               <a:rPr lang="en-US" dirty="0"/>
-              <a:t>9/7/2014</a:t>
+              <a:t>9/8/2014</a:t>
             </a:fld>
             <a:endParaRPr lang="en-US" dirty="0"/>
           </a:p>
@@ -4458,7 +4463,7 @@
           <a:p>
             <a:fld id="{4509A250-FF31-4206-8172-F9D3106AACB1}" type="datetimeFigureOut">
               <a:rPr lang="en-US" dirty="0"/>
-              <a:t>9/7/2014</a:t>
+              <a:t>9/8/2014</a:t>
             </a:fld>
             <a:endParaRPr lang="en-US" dirty="0"/>
           </a:p>
@@ -4732,7 +4737,7 @@
           <a:p>
             <a:fld id="{4509A250-FF31-4206-8172-F9D3106AACB1}" type="datetimeFigureOut">
               <a:rPr lang="en-US" dirty="0"/>
-              <a:t>9/7/2014</a:t>
+              <a:t>9/8/2014</a:t>
             </a:fld>
             <a:endParaRPr lang="en-US" dirty="0"/>
           </a:p>
@@ -5002,7 +5007,7 @@
           <a:p>
             <a:fld id="{4509A250-FF31-4206-8172-F9D3106AACB1}" type="datetimeFigureOut">
               <a:rPr lang="en-US" dirty="0"/>
-              <a:t>9/7/2014</a:t>
+              <a:t>9/8/2014</a:t>
             </a:fld>
             <a:endParaRPr lang="en-US" dirty="0"/>
           </a:p>
@@ -5426,7 +5431,7 @@
           <a:p>
             <a:fld id="{4509A250-FF31-4206-8172-F9D3106AACB1}" type="datetimeFigureOut">
               <a:rPr lang="en-US" dirty="0"/>
-              <a:t>9/7/2014</a:t>
+              <a:t>9/8/2014</a:t>
             </a:fld>
             <a:endParaRPr lang="en-US" dirty="0"/>
           </a:p>
@@ -5938,7 +5943,11 @@
           <a:bodyPr/>
           <a:lstStyle/>
           <a:p>
-            <a:endParaRPr lang="en-US"/>
+            <a:r>
+              <a:rPr lang="en-US" dirty="0" smtClean="0"/>
+              <a:t>Are We There Yet?	</a:t>
+            </a:r>
+            <a:endParaRPr lang="en-US" dirty="0"/>
           </a:p>
         </p:txBody>
       </p:sp>
@@ -5957,7 +5966,11 @@
           <a:bodyPr/>
           <a:lstStyle/>
           <a:p>
-            <a:endParaRPr lang="en-US"/>
+            <a:r>
+              <a:rPr lang="en-US" dirty="0" smtClean="0"/>
+              <a:t>Requirements Presentation</a:t>
+            </a:r>
+            <a:endParaRPr lang="en-US" dirty="0"/>
           </a:p>
         </p:txBody>
       </p:sp>

--- a/Documentation/Class Presentations/Requirements Presentation.pptx
+++ b/Documentation/Class Presentations/Requirements Presentation.pptx
@@ -6,11 +6,13 @@
   </p:sldMasterIdLst>
   <p:sldIdLst>
     <p:sldId id="256" r:id="rId2"/>
-    <p:sldId id="257" r:id="rId3"/>
-    <p:sldId id="258" r:id="rId4"/>
-    <p:sldId id="260" r:id="rId5"/>
-    <p:sldId id="261" r:id="rId6"/>
-    <p:sldId id="262" r:id="rId7"/>
+    <p:sldId id="263" r:id="rId3"/>
+    <p:sldId id="257" r:id="rId4"/>
+    <p:sldId id="258" r:id="rId5"/>
+    <p:sldId id="260" r:id="rId6"/>
+    <p:sldId id="261" r:id="rId7"/>
+    <p:sldId id="262" r:id="rId8"/>
+    <p:sldId id="264" r:id="rId9"/>
   </p:sldIdLst>
   <p:sldSz cx="12192000" cy="6858000"/>
   <p:notesSz cx="6858000" cy="9144000"/>
@@ -6028,36 +6030,54 @@
           <a:p>
             <a:r>
               <a:rPr lang="en-US" dirty="0" smtClean="0"/>
+              <a:t>Outline</a:t>
+            </a:r>
+            <a:endParaRPr lang="en-US" dirty="0"/>
+          </a:p>
+        </p:txBody>
+      </p:sp>
+      <p:sp>
+        <p:nvSpPr>
+          <p:cNvPr id="3" name="Content Placeholder 2"/>
+          <p:cNvSpPr>
+            <a:spLocks noGrp="1"/>
+          </p:cNvSpPr>
+          <p:nvPr>
+            <p:ph idx="1"/>
+          </p:nvPr>
+        </p:nvSpPr>
+        <p:spPr/>
+        <p:txBody>
+          <a:bodyPr/>
+          <a:lstStyle/>
+          <a:p>
+            <a:r>
+              <a:rPr lang="en-US" dirty="0" smtClean="0"/>
               <a:t>Movement</a:t>
             </a:r>
-            <a:endParaRPr lang="en-US" dirty="0"/>
-          </a:p>
-        </p:txBody>
-      </p:sp>
-      <p:sp>
-        <p:nvSpPr>
-          <p:cNvPr id="3" name="Content Placeholder 2"/>
-          <p:cNvSpPr>
-            <a:spLocks noGrp="1"/>
-          </p:cNvSpPr>
-          <p:nvPr>
-            <p:ph idx="1"/>
-          </p:nvPr>
-        </p:nvSpPr>
-        <p:spPr/>
-        <p:txBody>
-          <a:bodyPr/>
-          <a:lstStyle/>
+          </a:p>
           <a:p>
             <a:r>
               <a:rPr lang="en-US" dirty="0" smtClean="0"/>
-              <a:t>The system shall move in multiple directions</a:t>
+              <a:t>Navigation</a:t>
             </a:r>
           </a:p>
           <a:p>
             <a:r>
               <a:rPr lang="en-US" dirty="0" smtClean="0"/>
-              <a:t>The system shall move autonomously</a:t>
+              <a:t>Challenge Completion</a:t>
+            </a:r>
+          </a:p>
+          <a:p>
+            <a:r>
+              <a:rPr lang="en-US" dirty="0" smtClean="0"/>
+              <a:t>Software Requirements</a:t>
+            </a:r>
+          </a:p>
+          <a:p>
+            <a:r>
+              <a:rPr lang="en-US" dirty="0" smtClean="0"/>
+              <a:t>Non-functional Requirements</a:t>
             </a:r>
             <a:endParaRPr lang="en-US" dirty="0"/>
           </a:p>
@@ -6066,7 +6086,7 @@
     </p:spTree>
     <p:extLst>
       <p:ext uri="{BB962C8B-B14F-4D97-AF65-F5344CB8AC3E}">
-        <p14:creationId xmlns:p14="http://schemas.microsoft.com/office/powerpoint/2010/main" val="3026160719"/>
+        <p14:creationId xmlns:p14="http://schemas.microsoft.com/office/powerpoint/2010/main" val="2379665689"/>
       </p:ext>
     </p:extLst>
   </p:cSld>
@@ -6117,7 +6137,7 @@
           <a:p>
             <a:r>
               <a:rPr lang="en-US" dirty="0" smtClean="0"/>
-              <a:t>Navigation</a:t>
+              <a:t>Movement</a:t>
             </a:r>
             <a:endParaRPr lang="en-US" dirty="0"/>
           </a:p>
@@ -6140,22 +6160,14 @@
           <a:p>
             <a:r>
               <a:rPr lang="en-US" dirty="0" smtClean="0"/>
-              <a:t>System shall navigate to four challenge zones. </a:t>
+              <a:t>The system shall move in multiple directions</a:t>
             </a:r>
           </a:p>
           <a:p>
             <a:r>
               <a:rPr lang="en-US" dirty="0" smtClean="0"/>
-              <a:t>System shall follow Scotch Blue Painters tape to challenge locations. </a:t>
-            </a:r>
-          </a:p>
-          <a:p>
-            <a:r>
-              <a:rPr lang="en-US" dirty="0" smtClean="0"/>
-              <a:t>System shall stop when a challenge zone is reached.</a:t>
-            </a:r>
-          </a:p>
-          <a:p>
+              <a:t>The system shall move autonomously</a:t>
+            </a:r>
             <a:endParaRPr lang="en-US" dirty="0"/>
           </a:p>
         </p:txBody>
@@ -6163,7 +6175,7 @@
     </p:spTree>
     <p:extLst>
       <p:ext uri="{BB962C8B-B14F-4D97-AF65-F5344CB8AC3E}">
-        <p14:creationId xmlns:p14="http://schemas.microsoft.com/office/powerpoint/2010/main" val="1461795395"/>
+        <p14:creationId xmlns:p14="http://schemas.microsoft.com/office/powerpoint/2010/main" val="3026160719"/>
       </p:ext>
     </p:extLst>
   </p:cSld>
@@ -6214,7 +6226,7 @@
           <a:p>
             <a:r>
               <a:rPr lang="en-US" dirty="0" smtClean="0"/>
-              <a:t>Challenge Completion</a:t>
+              <a:t>Navigation</a:t>
             </a:r>
             <a:endParaRPr lang="en-US" dirty="0"/>
           </a:p>
@@ -6237,26 +6249,22 @@
           <a:p>
             <a:r>
               <a:rPr lang="en-US" dirty="0" smtClean="0"/>
-              <a:t>The system shall play Simon for 15 seconds.</a:t>
+              <a:t>System shall navigate to four challenge zones. </a:t>
             </a:r>
           </a:p>
           <a:p>
             <a:r>
               <a:rPr lang="en-US" dirty="0" smtClean="0"/>
-              <a:t>The system shall twist one row of Rubik’s cube 180 degrees.</a:t>
+              <a:t>System shall follow Scotch Blue Painters tape to challenge locations. </a:t>
             </a:r>
           </a:p>
           <a:p>
             <a:r>
               <a:rPr lang="en-US" dirty="0" smtClean="0"/>
-              <a:t>The system shall draw “IEEE” on etch-a-sketch.</a:t>
-            </a:r>
-          </a:p>
-          <a:p>
-            <a:r>
-              <a:rPr lang="en-US" dirty="0" smtClean="0"/>
-              <a:t>The system shall carry a playing card across finish line. </a:t>
-            </a:r>
+              <a:t>System shall stop when a challenge zone is reached.</a:t>
+            </a:r>
+          </a:p>
+          <a:p>
             <a:endParaRPr lang="en-US" dirty="0"/>
           </a:p>
         </p:txBody>
@@ -6264,7 +6272,7 @@
     </p:spTree>
     <p:extLst>
       <p:ext uri="{BB962C8B-B14F-4D97-AF65-F5344CB8AC3E}">
-        <p14:creationId xmlns:p14="http://schemas.microsoft.com/office/powerpoint/2010/main" val="2914658687"/>
+        <p14:creationId xmlns:p14="http://schemas.microsoft.com/office/powerpoint/2010/main" val="1461795395"/>
       </p:ext>
     </p:extLst>
   </p:cSld>
@@ -6315,7 +6323,7 @@
           <a:p>
             <a:r>
               <a:rPr lang="en-US" dirty="0" smtClean="0"/>
-              <a:t>Software Requirements</a:t>
+              <a:t>Challenge Completion</a:t>
             </a:r>
             <a:endParaRPr lang="en-US" dirty="0"/>
           </a:p>
@@ -6338,19 +6346,30 @@
           <a:p>
             <a:r>
               <a:rPr lang="en-US" dirty="0" smtClean="0"/>
-              <a:t>Software shall perform proper identification of challenges</a:t>
+              <a:t>The system shall play Simon for 15 seconds.</a:t>
             </a:r>
           </a:p>
           <a:p>
             <a:r>
               <a:rPr lang="en-US" dirty="0" smtClean="0"/>
-              <a:t>Software shall issue commands to complete challenge to system after present challenge is identified. </a:t>
+              <a:t>The system shall twist one row of Rubik’s cube 180 degrees.</a:t>
             </a:r>
           </a:p>
           <a:p>
             <a:r>
               <a:rPr lang="en-US" dirty="0" smtClean="0"/>
-              <a:t>Software shall issue command to navigate to next challenge after current challenge completion.</a:t>
+              <a:t>The system shall draw “IEEE” on etch-a-sketch</a:t>
+            </a:r>
+            <a:r>
+              <a:rPr lang="en-US" dirty="0" smtClean="0"/>
+              <a:t>. </a:t>
+            </a:r>
+            <a:endParaRPr lang="en-US" dirty="0" smtClean="0"/>
+          </a:p>
+          <a:p>
+            <a:r>
+              <a:rPr lang="en-US" dirty="0" smtClean="0"/>
+              <a:t>The system shall carry a playing card across finish line. </a:t>
             </a:r>
             <a:endParaRPr lang="en-US" dirty="0"/>
           </a:p>
@@ -6359,7 +6378,7 @@
     </p:spTree>
     <p:extLst>
       <p:ext uri="{BB962C8B-B14F-4D97-AF65-F5344CB8AC3E}">
-        <p14:creationId xmlns:p14="http://schemas.microsoft.com/office/powerpoint/2010/main" val="983184545"/>
+        <p14:creationId xmlns:p14="http://schemas.microsoft.com/office/powerpoint/2010/main" val="2914658687"/>
       </p:ext>
     </p:extLst>
   </p:cSld>
@@ -6410,7 +6429,102 @@
           <a:p>
             <a:r>
               <a:rPr lang="en-US" dirty="0" smtClean="0"/>
-              <a:t>Non-Functional</a:t>
+              <a:t>Software Requirements</a:t>
+            </a:r>
+            <a:endParaRPr lang="en-US" dirty="0"/>
+          </a:p>
+        </p:txBody>
+      </p:sp>
+      <p:sp>
+        <p:nvSpPr>
+          <p:cNvPr id="3" name="Content Placeholder 2"/>
+          <p:cNvSpPr>
+            <a:spLocks noGrp="1"/>
+          </p:cNvSpPr>
+          <p:nvPr>
+            <p:ph idx="1"/>
+          </p:nvPr>
+        </p:nvSpPr>
+        <p:spPr/>
+        <p:txBody>
+          <a:bodyPr/>
+          <a:lstStyle/>
+          <a:p>
+            <a:r>
+              <a:rPr lang="en-US" dirty="0" smtClean="0"/>
+              <a:t>Software shall perform proper identification of challenges</a:t>
+            </a:r>
+          </a:p>
+          <a:p>
+            <a:r>
+              <a:rPr lang="en-US" dirty="0" smtClean="0"/>
+              <a:t>Software shall issue commands to complete challenge to system after present challenge is identified. </a:t>
+            </a:r>
+          </a:p>
+          <a:p>
+            <a:r>
+              <a:rPr lang="en-US" dirty="0" smtClean="0"/>
+              <a:t>Software shall issue command to navigate to next challenge after current challenge completion.</a:t>
+            </a:r>
+            <a:endParaRPr lang="en-US" dirty="0"/>
+          </a:p>
+        </p:txBody>
+      </p:sp>
+    </p:spTree>
+    <p:extLst>
+      <p:ext uri="{BB962C8B-B14F-4D97-AF65-F5344CB8AC3E}">
+        <p14:creationId xmlns:p14="http://schemas.microsoft.com/office/powerpoint/2010/main" val="983184545"/>
+      </p:ext>
+    </p:extLst>
+  </p:cSld>
+  <p:clrMapOvr>
+    <a:masterClrMapping/>
+  </p:clrMapOvr>
+  <p:timing>
+    <p:tnLst>
+      <p:par>
+        <p:cTn id="1" dur="indefinite" restart="never" nodeType="tmRoot"/>
+      </p:par>
+    </p:tnLst>
+  </p:timing>
+</p:sld>
+</file>
+
+<file path=ppt/slides/slide7.xml><?xml version="1.0" encoding="utf-8"?>
+<p:sld xmlns:a="http://schemas.openxmlformats.org/drawingml/2006/main" xmlns:r="http://schemas.openxmlformats.org/officeDocument/2006/relationships" xmlns:p="http://schemas.openxmlformats.org/presentationml/2006/main">
+  <p:cSld>
+    <p:spTree>
+      <p:nvGrpSpPr>
+        <p:cNvPr id="1" name=""/>
+        <p:cNvGrpSpPr/>
+        <p:nvPr/>
+      </p:nvGrpSpPr>
+      <p:grpSpPr>
+        <a:xfrm>
+          <a:off x="0" y="0"/>
+          <a:ext cx="0" cy="0"/>
+          <a:chOff x="0" y="0"/>
+          <a:chExt cx="0" cy="0"/>
+        </a:xfrm>
+      </p:grpSpPr>
+      <p:sp>
+        <p:nvSpPr>
+          <p:cNvPr id="2" name="Title 1"/>
+          <p:cNvSpPr>
+            <a:spLocks noGrp="1"/>
+          </p:cNvSpPr>
+          <p:nvPr>
+            <p:ph type="title"/>
+          </p:nvPr>
+        </p:nvSpPr>
+        <p:spPr/>
+        <p:txBody>
+          <a:bodyPr/>
+          <a:lstStyle/>
+          <a:p>
+            <a:r>
+              <a:rPr lang="en-US" dirty="0" smtClean="0"/>
+              <a:t>Non-Functional Requirements</a:t>
             </a:r>
             <a:endParaRPr lang="en-US" dirty="0"/>
           </a:p>
@@ -6462,6 +6576,137 @@
       </p:par>
     </p:tnLst>
   </p:timing>
+</p:sld>
+</file>
+
+<file path=ppt/slides/slide8.xml><?xml version="1.0" encoding="utf-8"?>
+<p:sld xmlns:a="http://schemas.openxmlformats.org/drawingml/2006/main" xmlns:r="http://schemas.openxmlformats.org/officeDocument/2006/relationships" xmlns:p="http://schemas.openxmlformats.org/presentationml/2006/main">
+  <p:cSld>
+    <p:spTree>
+      <p:nvGrpSpPr>
+        <p:cNvPr id="1" name=""/>
+        <p:cNvGrpSpPr/>
+        <p:nvPr/>
+      </p:nvGrpSpPr>
+      <p:grpSpPr>
+        <a:xfrm>
+          <a:off x="0" y="0"/>
+          <a:ext cx="0" cy="0"/>
+          <a:chOff x="0" y="0"/>
+          <a:chExt cx="0" cy="0"/>
+        </a:xfrm>
+      </p:grpSpPr>
+      <p:sp>
+        <p:nvSpPr>
+          <p:cNvPr id="2" name="Title 1"/>
+          <p:cNvSpPr>
+            <a:spLocks noGrp="1"/>
+          </p:cNvSpPr>
+          <p:nvPr>
+            <p:ph type="title"/>
+          </p:nvPr>
+        </p:nvSpPr>
+        <p:spPr/>
+        <p:txBody>
+          <a:bodyPr/>
+          <a:lstStyle/>
+          <a:p>
+            <a:r>
+              <a:rPr lang="en-US" dirty="0" smtClean="0"/>
+              <a:t>References</a:t>
+            </a:r>
+            <a:endParaRPr lang="en-US" dirty="0"/>
+          </a:p>
+        </p:txBody>
+      </p:sp>
+      <p:sp>
+        <p:nvSpPr>
+          <p:cNvPr id="3" name="Content Placeholder 2"/>
+          <p:cNvSpPr>
+            <a:spLocks noGrp="1"/>
+          </p:cNvSpPr>
+          <p:nvPr>
+            <p:ph idx="1"/>
+          </p:nvPr>
+        </p:nvSpPr>
+        <p:spPr/>
+        <p:txBody>
+          <a:bodyPr/>
+          <a:lstStyle/>
+          <a:p>
+            <a:r>
+              <a:rPr lang="en-US" dirty="0" smtClean="0"/>
+              <a:t>IEEE Nova Southeastern University. </a:t>
+            </a:r>
+            <a:r>
+              <a:rPr lang="en-US" dirty="0"/>
+              <a:t>(</a:t>
+            </a:r>
+            <a:r>
+              <a:rPr lang="en-US" dirty="0" smtClean="0"/>
+              <a:t>2014, </a:t>
+            </a:r>
+            <a:r>
+              <a:rPr lang="en-US" dirty="0"/>
+              <a:t>September 7</a:t>
+            </a:r>
+            <a:r>
+              <a:rPr lang="en-US" dirty="0" smtClean="0"/>
+              <a:t>). </a:t>
+            </a:r>
+            <a:r>
+              <a:rPr lang="en-US" dirty="0"/>
+              <a:t>IEEE </a:t>
+            </a:r>
+            <a:r>
+              <a:rPr lang="en-US" dirty="0" err="1" smtClean="0"/>
+              <a:t>SoutheastCon</a:t>
+            </a:r>
+            <a:r>
+              <a:rPr lang="en-US" dirty="0" smtClean="0"/>
+              <a:t> 2015 </a:t>
+            </a:r>
+            <a:r>
+              <a:rPr lang="en-US" dirty="0"/>
+              <a:t>Student Program - Hardware Competition. Retrieved September </a:t>
+            </a:r>
+            <a:r>
+              <a:rPr lang="en-US" dirty="0" smtClean="0"/>
+              <a:t>7, 2014, from </a:t>
+            </a:r>
+            <a:r>
+              <a:rPr lang="en-US" dirty="0"/>
+              <a:t>IEEE </a:t>
+            </a:r>
+            <a:r>
+              <a:rPr lang="en-US" dirty="0" err="1"/>
+              <a:t>SoutheastCon</a:t>
+            </a:r>
+            <a:r>
+              <a:rPr lang="en-US" dirty="0"/>
+              <a:t> </a:t>
+            </a:r>
+            <a:r>
+              <a:rPr lang="en-US" dirty="0" smtClean="0"/>
+              <a:t>2015</a:t>
+            </a:r>
+            <a:r>
+              <a:rPr lang="en-US" dirty="0"/>
+              <a:t>: http://www.ewh.ieee.org/reg/3/southeastcon2015/StudentProgram.html</a:t>
+            </a:r>
+          </a:p>
+        </p:txBody>
+      </p:sp>
+    </p:spTree>
+    <p:extLst>
+      <p:ext uri="{BB962C8B-B14F-4D97-AF65-F5344CB8AC3E}">
+        <p14:creationId xmlns:p14="http://schemas.microsoft.com/office/powerpoint/2010/main" val="2011206536"/>
+      </p:ext>
+    </p:extLst>
+  </p:cSld>
+  <p:clrMapOvr>
+    <a:masterClrMapping/>
+  </p:clrMapOvr>
 </p:sld>
 </file>
 
